--- a/Segundo trimestre/Presentacion Proyecto Correjida.pptx
+++ b/Segundo trimestre/Presentacion Proyecto Correjida.pptx
@@ -4707,7 +4707,7 @@
           </a:p>
           <a:p>
             <a:r>
-              <a:rPr lang="es-ES" sz="2800" b="1" dirty="0" smtClean="0">
+              <a:rPr lang="es-ES" sz="2800" b="1" dirty="0">
                 <a:ln w="22225">
                   <a:solidFill>
                     <a:schemeClr val="accent2"/>
@@ -5966,11 +5966,7 @@
                       </a:pPr>
                       <a:r>
                         <a:rPr lang="es-ES_tradnl" sz="1200" dirty="0"/>
-                        <a:t>El sistema permitirá asociar las personas y elementos requeridos dentro del evento</a:t>
-                      </a:r>
-                      <a:r>
-                        <a:rPr lang="es-ES_tradnl" sz="1200" dirty="0" smtClean="0"/>
-                        <a:t>.</a:t>
+                        <a:t>El sistema permitirá asociar las personas y elementos requeridos dentro del evento.</a:t>
                       </a:r>
                       <a:endParaRPr lang="es-CO" sz="1200" dirty="0"/>
                     </a:p>
@@ -6519,14 +6515,14 @@
           <p:nvPr>
             <p:extLst>
               <p:ext uri="{D42A27DB-BD31-4B8C-83A1-F6EECF244321}">
-                <p14:modId xmlns:p14="http://schemas.microsoft.com/office/powerpoint/2010/main" val="2805102666"/>
+                <p14:modId xmlns:p14="http://schemas.microsoft.com/office/powerpoint/2010/main" val="2868650937"/>
               </p:ext>
             </p:extLst>
           </p:nvPr>
         </p:nvGraphicFramePr>
         <p:xfrm>
           <a:off x="1343145" y="1278963"/>
-          <a:ext cx="6096000" cy="2961640"/>
+          <a:ext cx="6096000" cy="3175000"/>
         </p:xfrm>
         <a:graphic>
           <a:graphicData uri="http://schemas.openxmlformats.org/drawingml/2006/table">
@@ -7224,7 +7220,84 @@
                     <a:bodyPr/>
                     <a:lstStyle/>
                     <a:p>
-                      <a:endParaRPr lang="es-CO" dirty="0"/>
+                      <a:pPr marL="285750" marR="0" lvl="0" indent="-285750" algn="l" defTabSz="914400" rtl="0" eaLnBrk="1" fontAlgn="auto" latinLnBrk="0" hangingPunct="1">
+                        <a:lnSpc>
+                          <a:spcPct val="100000"/>
+                        </a:lnSpc>
+                        <a:spcBef>
+                          <a:spcPts val="0"/>
+                        </a:spcBef>
+                        <a:spcAft>
+                          <a:spcPts val="0"/>
+                        </a:spcAft>
+                        <a:buClr>
+                          <a:srgbClr val="000000"/>
+                        </a:buClr>
+                        <a:buSzTx/>
+                        <a:buFont typeface="Arial" panose="020B0604020202020204" pitchFamily="34" charset="0"/>
+                        <a:buChar char="•"/>
+                        <a:tabLst/>
+                        <a:defRPr/>
+                      </a:pPr>
+                      <a:r>
+                        <a:rPr lang="es-US" dirty="0"/>
+                        <a:t>RNF001</a:t>
+                      </a:r>
+                    </a:p>
+                    <a:p>
+                      <a:pPr marL="285750" marR="0" lvl="0" indent="-285750" algn="l" defTabSz="914400" rtl="0" eaLnBrk="1" fontAlgn="auto" latinLnBrk="0" hangingPunct="1">
+                        <a:lnSpc>
+                          <a:spcPct val="100000"/>
+                        </a:lnSpc>
+                        <a:spcBef>
+                          <a:spcPts val="0"/>
+                        </a:spcBef>
+                        <a:spcAft>
+                          <a:spcPts val="0"/>
+                        </a:spcAft>
+                        <a:buClr>
+                          <a:srgbClr val="000000"/>
+                        </a:buClr>
+                        <a:buSzTx/>
+                        <a:buFont typeface="Arial" panose="020B0604020202020204" pitchFamily="34" charset="0"/>
+                        <a:buChar char="•"/>
+                        <a:tabLst/>
+                        <a:defRPr/>
+                      </a:pPr>
+                      <a:r>
+                        <a:rPr lang="es-US" dirty="0"/>
+                        <a:t>RNF003</a:t>
+                      </a:r>
+                    </a:p>
+                    <a:p>
+                      <a:pPr marL="285750" marR="0" lvl="0" indent="-285750" algn="l" defTabSz="914400" rtl="0" eaLnBrk="1" fontAlgn="auto" latinLnBrk="0" hangingPunct="1">
+                        <a:lnSpc>
+                          <a:spcPct val="100000"/>
+                        </a:lnSpc>
+                        <a:spcBef>
+                          <a:spcPts val="0"/>
+                        </a:spcBef>
+                        <a:spcAft>
+                          <a:spcPts val="0"/>
+                        </a:spcAft>
+                        <a:buClr>
+                          <a:srgbClr val="000000"/>
+                        </a:buClr>
+                        <a:buSzTx/>
+                        <a:buFont typeface="Arial" panose="020B0604020202020204" pitchFamily="34" charset="0"/>
+                        <a:buChar char="•"/>
+                        <a:tabLst/>
+                        <a:defRPr/>
+                      </a:pPr>
+                      <a:r>
+                        <a:rPr lang="es-US" dirty="0"/>
+                        <a:t>R</a:t>
+                      </a:r>
+                      <a:r>
+                        <a:rPr lang="es-CO" dirty="0"/>
+                        <a:t>NF002</a:t>
+                      </a:r>
+                      <a:endParaRPr lang="es-US" dirty="0"/>
                     </a:p>
                   </a:txBody>
                   <a:tcPr>
@@ -7483,14 +7556,14 @@
           <p:nvPr>
             <p:extLst>
               <p:ext uri="{D42A27DB-BD31-4B8C-83A1-F6EECF244321}">
-                <p14:modId xmlns:p14="http://schemas.microsoft.com/office/powerpoint/2010/main" val="3594515750"/>
+                <p14:modId xmlns:p14="http://schemas.microsoft.com/office/powerpoint/2010/main" val="655129874"/>
               </p:ext>
             </p:extLst>
           </p:nvPr>
         </p:nvGraphicFramePr>
         <p:xfrm>
-          <a:off x="1405118" y="1211102"/>
-          <a:ext cx="6096000" cy="3388360"/>
+          <a:off x="1405118" y="1222532"/>
+          <a:ext cx="6096000" cy="3815080"/>
         </p:xfrm>
         <a:graphic>
           <a:graphicData uri="http://schemas.openxmlformats.org/drawingml/2006/table">
@@ -8150,7 +8223,109 @@
                     <a:bodyPr/>
                     <a:lstStyle/>
                     <a:p>
-                      <a:endParaRPr lang="es-CO" dirty="0"/>
+                      <a:pPr marL="285750" marR="0" lvl="0" indent="-285750" algn="l" defTabSz="914400" rtl="0" eaLnBrk="1" fontAlgn="auto" latinLnBrk="0" hangingPunct="1">
+                        <a:lnSpc>
+                          <a:spcPct val="100000"/>
+                        </a:lnSpc>
+                        <a:spcBef>
+                          <a:spcPts val="0"/>
+                        </a:spcBef>
+                        <a:spcAft>
+                          <a:spcPts val="0"/>
+                        </a:spcAft>
+                        <a:buClr>
+                          <a:srgbClr val="000000"/>
+                        </a:buClr>
+                        <a:buSzTx/>
+                        <a:buFont typeface="Arial" panose="020B0604020202020204" pitchFamily="34" charset="0"/>
+                        <a:buChar char="•"/>
+                        <a:tabLst/>
+                        <a:defRPr/>
+                      </a:pPr>
+                      <a:r>
+                        <a:rPr lang="es-US" dirty="0"/>
+                        <a:t>RNF001</a:t>
+                      </a:r>
+                    </a:p>
+                    <a:p>
+                      <a:pPr marL="285750" marR="0" lvl="0" indent="-285750" algn="l" defTabSz="914400" rtl="0" eaLnBrk="1" fontAlgn="auto" latinLnBrk="0" hangingPunct="1">
+                        <a:lnSpc>
+                          <a:spcPct val="100000"/>
+                        </a:lnSpc>
+                        <a:spcBef>
+                          <a:spcPts val="0"/>
+                        </a:spcBef>
+                        <a:spcAft>
+                          <a:spcPts val="0"/>
+                        </a:spcAft>
+                        <a:buClr>
+                          <a:srgbClr val="000000"/>
+                        </a:buClr>
+                        <a:buSzTx/>
+                        <a:buFont typeface="Arial" panose="020B0604020202020204" pitchFamily="34" charset="0"/>
+                        <a:buChar char="•"/>
+                        <a:tabLst/>
+                        <a:defRPr/>
+                      </a:pPr>
+                      <a:r>
+                        <a:rPr lang="es-US" dirty="0"/>
+                        <a:t>RNF003</a:t>
+                      </a:r>
+                    </a:p>
+                    <a:p>
+                      <a:pPr marL="285750" marR="0" lvl="0" indent="-285750" algn="l" defTabSz="914400" rtl="0" eaLnBrk="1" fontAlgn="auto" latinLnBrk="0" hangingPunct="1">
+                        <a:lnSpc>
+                          <a:spcPct val="100000"/>
+                        </a:lnSpc>
+                        <a:spcBef>
+                          <a:spcPts val="0"/>
+                        </a:spcBef>
+                        <a:spcAft>
+                          <a:spcPts val="0"/>
+                        </a:spcAft>
+                        <a:buClr>
+                          <a:srgbClr val="000000"/>
+                        </a:buClr>
+                        <a:buSzTx/>
+                        <a:buFont typeface="Arial" panose="020B0604020202020204" pitchFamily="34" charset="0"/>
+                        <a:buChar char="•"/>
+                        <a:tabLst/>
+                        <a:defRPr/>
+                      </a:pPr>
+                      <a:r>
+                        <a:rPr lang="es-US" dirty="0"/>
+                        <a:t>RNF005</a:t>
+                      </a:r>
+                    </a:p>
+                    <a:p>
+                      <a:pPr marL="285750" marR="0" lvl="0" indent="-285750" algn="l" defTabSz="914400" rtl="0" eaLnBrk="1" fontAlgn="auto" latinLnBrk="0" hangingPunct="1">
+                        <a:lnSpc>
+                          <a:spcPct val="100000"/>
+                        </a:lnSpc>
+                        <a:spcBef>
+                          <a:spcPts val="0"/>
+                        </a:spcBef>
+                        <a:spcAft>
+                          <a:spcPts val="0"/>
+                        </a:spcAft>
+                        <a:buClr>
+                          <a:srgbClr val="000000"/>
+                        </a:buClr>
+                        <a:buSzTx/>
+                        <a:buFont typeface="Arial" panose="020B0604020202020204" pitchFamily="34" charset="0"/>
+                        <a:buChar char="•"/>
+                        <a:tabLst/>
+                        <a:defRPr/>
+                      </a:pPr>
+                      <a:r>
+                        <a:rPr lang="es-US" dirty="0"/>
+                        <a:t>R</a:t>
+                      </a:r>
+                      <a:r>
+                        <a:rPr lang="es-CO" dirty="0"/>
+                        <a:t>NF002</a:t>
+                      </a:r>
+                      <a:endParaRPr lang="es-US" dirty="0"/>
                     </a:p>
                   </a:txBody>
                   <a:tcPr>
@@ -8380,7 +8555,7 @@
           <p:nvPr>
             <p:extLst>
               <p:ext uri="{D42A27DB-BD31-4B8C-83A1-F6EECF244321}">
-                <p14:modId xmlns:p14="http://schemas.microsoft.com/office/powerpoint/2010/main" val="3197764536"/>
+                <p14:modId xmlns:p14="http://schemas.microsoft.com/office/powerpoint/2010/main" val="320284781"/>
               </p:ext>
             </p:extLst>
           </p:nvPr>
@@ -9066,7 +9241,59 @@
                     <a:bodyPr/>
                     <a:lstStyle/>
                     <a:p>
-                      <a:endParaRPr lang="es-CO" dirty="0"/>
+                      <a:pPr marL="285750" marR="0" lvl="0" indent="-285750" algn="l" defTabSz="914400" rtl="0" eaLnBrk="1" fontAlgn="auto" latinLnBrk="0" hangingPunct="1">
+                        <a:lnSpc>
+                          <a:spcPct val="100000"/>
+                        </a:lnSpc>
+                        <a:spcBef>
+                          <a:spcPts val="0"/>
+                        </a:spcBef>
+                        <a:spcAft>
+                          <a:spcPts val="0"/>
+                        </a:spcAft>
+                        <a:buClr>
+                          <a:srgbClr val="000000"/>
+                        </a:buClr>
+                        <a:buSzTx/>
+                        <a:buFont typeface="Arial" panose="020B0604020202020204" pitchFamily="34" charset="0"/>
+                        <a:buChar char="•"/>
+                        <a:tabLst/>
+                        <a:defRPr/>
+                      </a:pPr>
+                      <a:r>
+                        <a:rPr lang="es-US" dirty="0"/>
+                        <a:t>RNF005</a:t>
+                      </a:r>
+                    </a:p>
+                    <a:p>
+                      <a:pPr marL="285750" marR="0" lvl="0" indent="-285750" algn="l" defTabSz="914400" rtl="0" eaLnBrk="1" fontAlgn="auto" latinLnBrk="0" hangingPunct="1">
+                        <a:lnSpc>
+                          <a:spcPct val="100000"/>
+                        </a:lnSpc>
+                        <a:spcBef>
+                          <a:spcPts val="0"/>
+                        </a:spcBef>
+                        <a:spcAft>
+                          <a:spcPts val="0"/>
+                        </a:spcAft>
+                        <a:buClr>
+                          <a:srgbClr val="000000"/>
+                        </a:buClr>
+                        <a:buSzTx/>
+                        <a:buFont typeface="Arial" panose="020B0604020202020204" pitchFamily="34" charset="0"/>
+                        <a:buChar char="•"/>
+                        <a:tabLst/>
+                        <a:defRPr/>
+                      </a:pPr>
+                      <a:r>
+                        <a:rPr lang="es-US" dirty="0"/>
+                        <a:t>R</a:t>
+                      </a:r>
+                      <a:r>
+                        <a:rPr lang="es-CO" dirty="0"/>
+                        <a:t>NF002</a:t>
+                      </a:r>
+                      <a:endParaRPr lang="es-US" dirty="0"/>
                     </a:p>
                   </a:txBody>
                   <a:tcPr>
@@ -9296,14 +9523,14 @@
           <p:nvPr>
             <p:extLst>
               <p:ext uri="{D42A27DB-BD31-4B8C-83A1-F6EECF244321}">
-                <p14:modId xmlns:p14="http://schemas.microsoft.com/office/powerpoint/2010/main" val="1889919848"/>
+                <p14:modId xmlns:p14="http://schemas.microsoft.com/office/powerpoint/2010/main" val="762477070"/>
               </p:ext>
             </p:extLst>
           </p:nvPr>
         </p:nvGraphicFramePr>
         <p:xfrm>
           <a:off x="1202803" y="1286523"/>
-          <a:ext cx="6096000" cy="3108960"/>
+          <a:ext cx="6096000" cy="3535680"/>
         </p:xfrm>
         <a:graphic>
           <a:graphicData uri="http://schemas.openxmlformats.org/drawingml/2006/table">
@@ -9962,6 +10189,85 @@
                   <a:txBody>
                     <a:bodyPr/>
                     <a:lstStyle/>
+                    <a:p>
+                      <a:pPr marL="285750" marR="0" lvl="0" indent="-285750" algn="l" defTabSz="914400" rtl="0" eaLnBrk="1" fontAlgn="auto" latinLnBrk="0" hangingPunct="1">
+                        <a:lnSpc>
+                          <a:spcPct val="100000"/>
+                        </a:lnSpc>
+                        <a:spcBef>
+                          <a:spcPts val="0"/>
+                        </a:spcBef>
+                        <a:spcAft>
+                          <a:spcPts val="0"/>
+                        </a:spcAft>
+                        <a:buClr>
+                          <a:srgbClr val="000000"/>
+                        </a:buClr>
+                        <a:buSzTx/>
+                        <a:buFont typeface="Arial" panose="020B0604020202020204" pitchFamily="34" charset="0"/>
+                        <a:buChar char="•"/>
+                        <a:tabLst/>
+                        <a:defRPr/>
+                      </a:pPr>
+                      <a:r>
+                        <a:rPr lang="es-US" dirty="0"/>
+                        <a:t>R</a:t>
+                      </a:r>
+                      <a:r>
+                        <a:rPr lang="es-CO" dirty="0"/>
+                        <a:t>NF002</a:t>
+                      </a:r>
+                    </a:p>
+                    <a:p>
+                      <a:pPr marL="285750" marR="0" lvl="0" indent="-285750" algn="l" defTabSz="914400" rtl="0" eaLnBrk="1" fontAlgn="auto" latinLnBrk="0" hangingPunct="1">
+                        <a:lnSpc>
+                          <a:spcPct val="100000"/>
+                        </a:lnSpc>
+                        <a:spcBef>
+                          <a:spcPts val="0"/>
+                        </a:spcBef>
+                        <a:spcAft>
+                          <a:spcPts val="0"/>
+                        </a:spcAft>
+                        <a:buClr>
+                          <a:srgbClr val="000000"/>
+                        </a:buClr>
+                        <a:buSzTx/>
+                        <a:buFont typeface="Arial" panose="020B0604020202020204" pitchFamily="34" charset="0"/>
+                        <a:buChar char="•"/>
+                        <a:tabLst/>
+                        <a:defRPr/>
+                      </a:pPr>
+                      <a:r>
+                        <a:rPr lang="es-US" dirty="0"/>
+                        <a:t>RNF003</a:t>
+                      </a:r>
+                    </a:p>
+                    <a:p>
+                      <a:pPr marL="285750" marR="0" lvl="0" indent="-285750" algn="l" defTabSz="914400" rtl="0" eaLnBrk="1" fontAlgn="auto" latinLnBrk="0" hangingPunct="1">
+                        <a:lnSpc>
+                          <a:spcPct val="100000"/>
+                        </a:lnSpc>
+                        <a:spcBef>
+                          <a:spcPts val="0"/>
+                        </a:spcBef>
+                        <a:spcAft>
+                          <a:spcPts val="0"/>
+                        </a:spcAft>
+                        <a:buClr>
+                          <a:srgbClr val="000000"/>
+                        </a:buClr>
+                        <a:buSzTx/>
+                        <a:buFont typeface="Arial" panose="020B0604020202020204" pitchFamily="34" charset="0"/>
+                        <a:buChar char="•"/>
+                        <a:tabLst/>
+                        <a:defRPr/>
+                      </a:pPr>
+                      <a:r>
+                        <a:rPr lang="es-US" dirty="0"/>
+                        <a:t>RNF005</a:t>
+                      </a:r>
+                    </a:p>
                     <a:p>
                       <a:endParaRPr lang="es-CO" dirty="0"/>
                     </a:p>
@@ -10250,13 +10556,6 @@
                 <a:cs typeface="Times New Roman" panose="02020603050405020304" pitchFamily="18" charset="0"/>
               </a:rPr>
             </a:br>
-            <a:r>
-              <a:rPr lang="es-US" sz="1300" dirty="0">
-                <a:latin typeface="Times New Roman" panose="02020603050405020304" pitchFamily="18" charset="0"/>
-                <a:cs typeface="Times New Roman" panose="02020603050405020304" pitchFamily="18" charset="0"/>
-              </a:rPr>
-              <a:t/>
-            </a:r>
             <a:br>
               <a:rPr lang="es-US" sz="1300" dirty="0">
                 <a:latin typeface="Times New Roman" panose="02020603050405020304" pitchFamily="18" charset="0"/>
@@ -10340,14 +10639,14 @@
           <p:nvPr>
             <p:extLst>
               <p:ext uri="{D42A27DB-BD31-4B8C-83A1-F6EECF244321}">
-                <p14:modId xmlns:p14="http://schemas.microsoft.com/office/powerpoint/2010/main" val="4232775818"/>
+                <p14:modId xmlns:p14="http://schemas.microsoft.com/office/powerpoint/2010/main" val="1383756000"/>
               </p:ext>
             </p:extLst>
           </p:nvPr>
         </p:nvGraphicFramePr>
         <p:xfrm>
           <a:off x="1292627" y="1313828"/>
-          <a:ext cx="6096000" cy="3535680"/>
+          <a:ext cx="6096000" cy="3322320"/>
         </p:xfrm>
         <a:graphic>
           <a:graphicData uri="http://schemas.openxmlformats.org/drawingml/2006/table">
@@ -11026,15 +11325,59 @@
                     <a:bodyPr/>
                     <a:lstStyle/>
                     <a:p>
+                      <a:pPr marL="285750" marR="0" lvl="0" indent="-285750" algn="l" defTabSz="914400" rtl="0" eaLnBrk="1" fontAlgn="auto" latinLnBrk="0" hangingPunct="1">
+                        <a:lnSpc>
+                          <a:spcPct val="100000"/>
+                        </a:lnSpc>
+                        <a:spcBef>
+                          <a:spcPts val="0"/>
+                        </a:spcBef>
+                        <a:spcAft>
+                          <a:spcPts val="0"/>
+                        </a:spcAft>
+                        <a:buClr>
+                          <a:srgbClr val="000000"/>
+                        </a:buClr>
+                        <a:buSzTx/>
+                        <a:buFont typeface="Arial" panose="020B0604020202020204" pitchFamily="34" charset="0"/>
+                        <a:buChar char="•"/>
+                        <a:tabLst/>
+                        <a:defRPr/>
+                      </a:pPr>
+                      <a:r>
+                        <a:rPr lang="es-US" dirty="0"/>
+                        <a:t>RNF001</a:t>
+                      </a:r>
+                    </a:p>
+                    <a:p>
+                      <a:pPr marL="285750" marR="0" lvl="0" indent="-285750" algn="l" defTabSz="914400" rtl="0" eaLnBrk="1" fontAlgn="auto" latinLnBrk="0" hangingPunct="1">
+                        <a:lnSpc>
+                          <a:spcPct val="100000"/>
+                        </a:lnSpc>
+                        <a:spcBef>
+                          <a:spcPts val="0"/>
+                        </a:spcBef>
+                        <a:spcAft>
+                          <a:spcPts val="0"/>
+                        </a:spcAft>
+                        <a:buClr>
+                          <a:srgbClr val="000000"/>
+                        </a:buClr>
+                        <a:buSzTx/>
+                        <a:buFont typeface="Arial" panose="020B0604020202020204" pitchFamily="34" charset="0"/>
+                        <a:buChar char="•"/>
+                        <a:tabLst/>
+                        <a:defRPr/>
+                      </a:pPr>
+                      <a:r>
+                        <a:rPr lang="es-US" dirty="0"/>
+                        <a:t>R</a:t>
+                      </a:r>
                       <a:r>
                         <a:rPr lang="es-CO" dirty="0"/>
-                        <a:t>Mostrar en la interfaz</a:t>
-                      </a:r>
-                      <a:r>
-                        <a:rPr lang="es-CO" baseline="0" dirty="0"/>
-                        <a:t> del sistema la opción comentarios y permitir al usuario la publicación de dicho mensaje </a:t>
-                      </a:r>
-                      <a:endParaRPr lang="es-CO" dirty="0"/>
+                        <a:t>NF002</a:t>
+                      </a:r>
+                      <a:endParaRPr lang="es-US" dirty="0"/>
                     </a:p>
                   </a:txBody>
                   <a:tcPr>
@@ -11264,14 +11607,14 @@
           <p:nvPr>
             <p:extLst>
               <p:ext uri="{D42A27DB-BD31-4B8C-83A1-F6EECF244321}">
-                <p14:modId xmlns:p14="http://schemas.microsoft.com/office/powerpoint/2010/main" val="779833176"/>
+                <p14:modId xmlns:p14="http://schemas.microsoft.com/office/powerpoint/2010/main" val="253076094"/>
               </p:ext>
             </p:extLst>
           </p:nvPr>
         </p:nvGraphicFramePr>
         <p:xfrm>
           <a:off x="1311677" y="1157208"/>
-          <a:ext cx="6096000" cy="3749040"/>
+          <a:ext cx="6096000" cy="3962400"/>
         </p:xfrm>
         <a:graphic>
           <a:graphicData uri="http://schemas.openxmlformats.org/drawingml/2006/table">
@@ -11960,6 +12303,60 @@
                   <a:txBody>
                     <a:bodyPr/>
                     <a:lstStyle/>
+                    <a:p>
+                      <a:pPr marL="285750" marR="0" lvl="0" indent="-285750" algn="l" defTabSz="914400" rtl="0" eaLnBrk="1" fontAlgn="auto" latinLnBrk="0" hangingPunct="1">
+                        <a:lnSpc>
+                          <a:spcPct val="100000"/>
+                        </a:lnSpc>
+                        <a:spcBef>
+                          <a:spcPts val="0"/>
+                        </a:spcBef>
+                        <a:spcAft>
+                          <a:spcPts val="0"/>
+                        </a:spcAft>
+                        <a:buClr>
+                          <a:srgbClr val="000000"/>
+                        </a:buClr>
+                        <a:buSzTx/>
+                        <a:buFont typeface="Arial" panose="020B0604020202020204" pitchFamily="34" charset="0"/>
+                        <a:buChar char="•"/>
+                        <a:tabLst/>
+                        <a:defRPr/>
+                      </a:pPr>
+                      <a:r>
+                        <a:rPr lang="es-US" dirty="0"/>
+                        <a:t>R</a:t>
+                      </a:r>
+                      <a:r>
+                        <a:rPr lang="es-CO" dirty="0"/>
+                        <a:t>NF002</a:t>
+                      </a:r>
+                    </a:p>
+                    <a:p>
+                      <a:pPr marL="285750" marR="0" lvl="0" indent="-285750" algn="l" defTabSz="914400" rtl="0" eaLnBrk="1" fontAlgn="auto" latinLnBrk="0" hangingPunct="1">
+                        <a:lnSpc>
+                          <a:spcPct val="100000"/>
+                        </a:lnSpc>
+                        <a:spcBef>
+                          <a:spcPts val="0"/>
+                        </a:spcBef>
+                        <a:spcAft>
+                          <a:spcPts val="0"/>
+                        </a:spcAft>
+                        <a:buClr>
+                          <a:srgbClr val="000000"/>
+                        </a:buClr>
+                        <a:buSzTx/>
+                        <a:buFont typeface="Arial" panose="020B0604020202020204" pitchFamily="34" charset="0"/>
+                        <a:buChar char="•"/>
+                        <a:tabLst/>
+                        <a:defRPr/>
+                      </a:pPr>
+                      <a:r>
+                        <a:rPr lang="es-US" dirty="0"/>
+                        <a:t>RNF005</a:t>
+                      </a:r>
+                    </a:p>
                     <a:p>
                       <a:endParaRPr lang="es-CO" dirty="0"/>
                     </a:p>
@@ -12191,14 +12588,14 @@
           <p:nvPr>
             <p:extLst>
               <p:ext uri="{D42A27DB-BD31-4B8C-83A1-F6EECF244321}">
-                <p14:modId xmlns:p14="http://schemas.microsoft.com/office/powerpoint/2010/main" val="2881387697"/>
+                <p14:modId xmlns:p14="http://schemas.microsoft.com/office/powerpoint/2010/main" val="862277249"/>
               </p:ext>
             </p:extLst>
           </p:nvPr>
         </p:nvGraphicFramePr>
         <p:xfrm>
           <a:off x="1336996" y="1241003"/>
-          <a:ext cx="6096000" cy="3322320"/>
+          <a:ext cx="6096000" cy="3535680"/>
         </p:xfrm>
         <a:graphic>
           <a:graphicData uri="http://schemas.openxmlformats.org/drawingml/2006/table">
@@ -12879,7 +13276,85 @@
                     <a:bodyPr/>
                     <a:lstStyle/>
                     <a:p>
+                      <a:pPr marL="285750" marR="0" lvl="0" indent="-285750" algn="l" defTabSz="914400" rtl="0" eaLnBrk="1" fontAlgn="auto" latinLnBrk="0" hangingPunct="1">
+                        <a:lnSpc>
+                          <a:spcPct val="100000"/>
+                        </a:lnSpc>
+                        <a:spcBef>
+                          <a:spcPts val="0"/>
+                        </a:spcBef>
+                        <a:spcAft>
+                          <a:spcPts val="0"/>
+                        </a:spcAft>
+                        <a:buClr>
+                          <a:srgbClr val="000000"/>
+                        </a:buClr>
+                        <a:buSzTx/>
+                        <a:buFont typeface="Arial" panose="020B0604020202020204" pitchFamily="34" charset="0"/>
+                        <a:buChar char="•"/>
+                        <a:tabLst/>
+                        <a:defRPr/>
+                      </a:pPr>
+                      <a:r>
+                        <a:rPr lang="es-US" dirty="0"/>
+                        <a:t>RNF004</a:t>
+                      </a:r>
                       <a:endParaRPr lang="es-CO" dirty="0"/>
+                    </a:p>
+                    <a:p>
+                      <a:pPr marL="285750" marR="0" lvl="0" indent="-285750" algn="l" defTabSz="914400" rtl="0" eaLnBrk="1" fontAlgn="auto" latinLnBrk="0" hangingPunct="1">
+                        <a:lnSpc>
+                          <a:spcPct val="100000"/>
+                        </a:lnSpc>
+                        <a:spcBef>
+                          <a:spcPts val="0"/>
+                        </a:spcBef>
+                        <a:spcAft>
+                          <a:spcPts val="0"/>
+                        </a:spcAft>
+                        <a:buClr>
+                          <a:srgbClr val="000000"/>
+                        </a:buClr>
+                        <a:buSzTx/>
+                        <a:buFont typeface="Arial" panose="020B0604020202020204" pitchFamily="34" charset="0"/>
+                        <a:buChar char="•"/>
+                        <a:tabLst/>
+                        <a:defRPr/>
+                      </a:pPr>
+                      <a:r>
+                        <a:rPr lang="es-US" dirty="0"/>
+                        <a:t>RNF005</a:t>
+                      </a:r>
+                    </a:p>
+                    <a:p>
+                      <a:pPr marL="285750" marR="0" lvl="0" indent="-285750" algn="l" defTabSz="914400" rtl="0" eaLnBrk="1" fontAlgn="auto" latinLnBrk="0" hangingPunct="1">
+                        <a:lnSpc>
+                          <a:spcPct val="100000"/>
+                        </a:lnSpc>
+                        <a:spcBef>
+                          <a:spcPts val="0"/>
+                        </a:spcBef>
+                        <a:spcAft>
+                          <a:spcPts val="0"/>
+                        </a:spcAft>
+                        <a:buClr>
+                          <a:srgbClr val="000000"/>
+                        </a:buClr>
+                        <a:buSzTx/>
+                        <a:buFont typeface="Arial" panose="020B0604020202020204" pitchFamily="34" charset="0"/>
+                        <a:buChar char="•"/>
+                        <a:tabLst/>
+                        <a:defRPr/>
+                      </a:pPr>
+                      <a:r>
+                        <a:rPr lang="es-US" dirty="0"/>
+                        <a:t>R</a:t>
+                      </a:r>
+                      <a:r>
+                        <a:rPr lang="es-CO" dirty="0"/>
+                        <a:t>NF002</a:t>
+                      </a:r>
+                      <a:endParaRPr lang="es-US" dirty="0"/>
                     </a:p>
                   </a:txBody>
                   <a:tcPr>
@@ -14442,11 +14917,7 @@
                       </a:r>
                       <a:r>
                         <a:rPr lang="es-CO" baseline="0" dirty="0"/>
-                        <a:t> un diseño con animaciones suaves, </a:t>
-                      </a:r>
-                      <a:r>
-                        <a:rPr lang="es-CO" baseline="0" dirty="0" smtClean="0"/>
-                        <a:t>sencillas.</a:t>
+                        <a:t> un diseño con animaciones suaves, sencillas.</a:t>
                       </a:r>
                       <a:endParaRPr lang="es-CO" dirty="0"/>
                     </a:p>
@@ -15101,11 +15572,7 @@
                     <a:p>
                       <a:r>
                         <a:rPr lang="es-CO" baseline="0" dirty="0"/>
-                        <a:t>Habrá verificación de datos y </a:t>
-                      </a:r>
-                      <a:r>
-                        <a:rPr lang="es-CO" baseline="0" dirty="0" smtClean="0"/>
-                        <a:t>encriptación.</a:t>
+                        <a:t>Habrá verificación de datos y encriptación.</a:t>
                       </a:r>
                       <a:endParaRPr lang="es-CO" dirty="0"/>
                     </a:p>
@@ -15239,11 +15706,7 @@
                       </a:r>
                       <a:r>
                         <a:rPr lang="es-CO" baseline="0" dirty="0"/>
-                        <a:t> seguridad de los datos de los </a:t>
-                      </a:r>
-                      <a:r>
-                        <a:rPr lang="es-CO" baseline="0" dirty="0" smtClean="0"/>
-                        <a:t>usuarios.</a:t>
+                        <a:t> seguridad de los datos de los usuarios.</a:t>
                       </a:r>
                       <a:endParaRPr lang="es-CO" dirty="0"/>
                     </a:p>
@@ -15370,10 +15833,9 @@
                     <a:lstStyle/>
                     <a:p>
                       <a:r>
-                        <a:rPr lang="es-CO" dirty="0" smtClean="0"/>
+                        <a:rPr lang="es-CO" dirty="0"/>
                         <a:t>Alta</a:t>
                       </a:r>
-                      <a:endParaRPr lang="es-CO" dirty="0"/>
                     </a:p>
                   </a:txBody>
                   <a:tcPr>
@@ -15900,11 +16362,7 @@
                       </a:r>
                       <a:r>
                         <a:rPr lang="es-CO" baseline="0" dirty="0"/>
-                        <a:t> en el tipo de </a:t>
-                      </a:r>
-                      <a:r>
-                        <a:rPr lang="es-CO" baseline="0" dirty="0" smtClean="0"/>
-                        <a:t>usuario.</a:t>
+                        <a:t> en el tipo de usuario.</a:t>
                       </a:r>
                       <a:endParaRPr lang="es-CO" dirty="0"/>
                     </a:p>
@@ -16038,11 +16496,7 @@
                       </a:r>
                       <a:r>
                         <a:rPr lang="es-CO" baseline="0" dirty="0"/>
-                        <a:t> en el tipo de usuario el sistema mostrara una interfaz adecuada con funciones </a:t>
-                      </a:r>
-                      <a:r>
-                        <a:rPr lang="es-CO" baseline="0" dirty="0" smtClean="0"/>
-                        <a:t>especificas.</a:t>
+                        <a:t> en el tipo de usuario el sistema mostrara una interfaz adecuada con funciones especificas.</a:t>
                       </a:r>
                       <a:endParaRPr lang="es-CO" dirty="0"/>
                     </a:p>
@@ -16169,10 +16623,9 @@
                     <a:lstStyle/>
                     <a:p>
                       <a:r>
-                        <a:rPr lang="es-CO" dirty="0" smtClean="0"/>
+                        <a:rPr lang="es-CO" dirty="0"/>
                         <a:t>Media</a:t>
                       </a:r>
-                      <a:endParaRPr lang="es-CO" dirty="0"/>
                     </a:p>
                   </a:txBody>
                   <a:tcPr>
@@ -16527,27 +16980,15 @@
                     <a:p>
                       <a:r>
                         <a:rPr lang="es-US" dirty="0"/>
-                        <a:t>Se establecerá </a:t>
-                      </a:r>
-                      <a:r>
-                        <a:rPr lang="es-US" dirty="0" smtClean="0"/>
-                        <a:t>una</a:t>
-                      </a:r>
-                      <a:r>
-                        <a:rPr lang="es-US" baseline="0" dirty="0" smtClean="0"/>
+                        <a:t>Se establecerá una</a:t>
+                      </a:r>
+                      <a:r>
+                        <a:rPr lang="es-US" baseline="0" dirty="0"/>
                         <a:t> </a:t>
                       </a:r>
                       <a:r>
-                        <a:rPr lang="es-US" dirty="0" smtClean="0"/>
-                        <a:t>cotización </a:t>
-                      </a:r>
-                      <a:r>
                         <a:rPr lang="es-US" dirty="0"/>
-                        <a:t>de forma predeterminada dadas con anterioridad por el </a:t>
-                      </a:r>
-                      <a:r>
-                        <a:rPr lang="es-US" dirty="0" smtClean="0"/>
-                        <a:t>cliente.</a:t>
+                        <a:t>cotización de forma predeterminada dadas con anterioridad por el cliente.</a:t>
                       </a:r>
                       <a:endParaRPr lang="es-CO" dirty="0"/>
                     </a:p>
@@ -16829,11 +17270,7 @@
                       </a:r>
                       <a:r>
                         <a:rPr lang="es-CO" baseline="0" dirty="0"/>
-                        <a:t> con especificaciones dadas por el administrador para se escogidas por el </a:t>
-                      </a:r>
-                      <a:r>
-                        <a:rPr lang="es-CO" baseline="0" dirty="0" smtClean="0"/>
-                        <a:t>cliente.</a:t>
+                        <a:t> con especificaciones dadas por el administrador para se escogidas por el cliente.</a:t>
                       </a:r>
                       <a:endParaRPr lang="es-CO" dirty="0"/>
                     </a:p>
@@ -16960,10 +17397,9 @@
                     <a:lstStyle/>
                     <a:p>
                       <a:r>
-                        <a:rPr lang="es-CO" dirty="0" smtClean="0"/>
+                        <a:rPr lang="es-CO" dirty="0"/>
                         <a:t>Alta</a:t>
                       </a:r>
-                      <a:endParaRPr lang="es-CO" dirty="0"/>
                     </a:p>
                   </a:txBody>
                   <a:tcPr>
@@ -17600,16 +18036,12 @@
           <a:lstStyle/>
           <a:p>
             <a:r>
-              <a:rPr lang="es-ES_tradnl" b="1" dirty="0" smtClean="0"/>
+              <a:rPr lang="es-ES_tradnl" b="1" dirty="0"/>
               <a:t>RF005:</a:t>
             </a:r>
             <a:r>
-              <a:rPr lang="es-ES_tradnl" dirty="0" smtClean="0"/>
-              <a:t>El </a:t>
-            </a:r>
-            <a:r>
               <a:rPr lang="es-ES_tradnl" dirty="0"/>
-              <a:t>sistema permitirá al cliente crear los PQR de los eventos realizados.</a:t>
+              <a:t>El sistema permitirá al cliente crear los PQR de los eventos realizados.</a:t>
             </a:r>
           </a:p>
           <a:p>
@@ -17617,32 +18049,20 @@
           </a:p>
           <a:p>
             <a:r>
-              <a:rPr lang="es-ES_tradnl" dirty="0" smtClean="0"/>
-              <a:t>CU021: </a:t>
-            </a:r>
-            <a:r>
               <a:rPr lang="es-ES_tradnl" dirty="0"/>
-              <a:t>Registrar el PQR.</a:t>
+              <a:t>CU021: Registrar el PQR.</a:t>
             </a:r>
           </a:p>
           <a:p>
             <a:r>
-              <a:rPr lang="es-ES_tradnl" dirty="0" smtClean="0"/>
-              <a:t>CU022: </a:t>
-            </a:r>
-            <a:r>
               <a:rPr lang="es-ES_tradnl" dirty="0"/>
-              <a:t>Consultar sugerencia.</a:t>
+              <a:t>CU022: Consultar sugerencia.</a:t>
             </a:r>
           </a:p>
           <a:p>
             <a:r>
-              <a:rPr lang="es-ES_tradnl" dirty="0" smtClean="0"/>
-              <a:t>CU023: </a:t>
-            </a:r>
-            <a:r>
               <a:rPr lang="es-ES_tradnl" dirty="0"/>
-              <a:t>Notificar sugerencias del cliente</a:t>
+              <a:t>CU023: Notificar sugerencias del cliente</a:t>
             </a:r>
             <a:endParaRPr lang="es-CO" dirty="0"/>
           </a:p>
@@ -17676,7 +18096,7 @@
           <a:lstStyle/>
           <a:p>
             <a:r>
-              <a:rPr lang="es-ES_tradnl" b="1" dirty="0" smtClean="0"/>
+              <a:rPr lang="es-ES_tradnl" b="1" dirty="0"/>
               <a:t>RF006</a:t>
             </a:r>
             <a:r>
@@ -17695,28 +18115,15 @@
           </a:p>
           <a:p>
             <a:r>
-              <a:rPr lang="es-ES_tradnl" dirty="0" smtClean="0"/>
-              <a:t>CU024: </a:t>
-            </a:r>
-            <a:r>
               <a:rPr lang="es-ES_tradnl" dirty="0"/>
-              <a:t>Registrar cotización final del evento.</a:t>
+              <a:t>CU024: Registrar cotización final del evento.</a:t>
             </a:r>
           </a:p>
           <a:p>
             <a:r>
-              <a:rPr lang="es-ES_tradnl" dirty="0" smtClean="0"/>
-              <a:t>CU025: </a:t>
+              <a:rPr lang="es-ES_tradnl" dirty="0"/>
+              <a:t>CU025: Consultar cotización final.</a:t>
             </a:r>
-            <a:r>
-              <a:rPr lang="es-ES_tradnl" dirty="0"/>
-              <a:t>Consultar cotización final</a:t>
-            </a:r>
-            <a:r>
-              <a:rPr lang="es-ES_tradnl" dirty="0" smtClean="0"/>
-              <a:t>.</a:t>
-            </a:r>
-            <a:endParaRPr lang="es-ES_tradnl" dirty="0"/>
           </a:p>
         </p:txBody>
       </p:sp>
@@ -17778,22 +18185,14 @@
           </a:p>
           <a:p>
             <a:r>
-              <a:rPr lang="es-CO" dirty="0" smtClean="0"/>
-              <a:t>CU026: </a:t>
-            </a:r>
-            <a:r>
               <a:rPr lang="es-CO" dirty="0"/>
-              <a:t>Asociar elementos.</a:t>
+              <a:t>CU026: Asociar elementos.</a:t>
             </a:r>
           </a:p>
           <a:p>
             <a:r>
-              <a:rPr lang="es-CO" dirty="0" smtClean="0"/>
-              <a:t>CU027: </a:t>
-            </a:r>
-            <a:r>
               <a:rPr lang="es-CO" dirty="0"/>
-              <a:t>Registrar tarifa.</a:t>
+              <a:t>CU027: Registrar tarifa.</a:t>
             </a:r>
           </a:p>
           <a:p>
@@ -18253,13 +18652,6 @@
                 <a:cs typeface="Times New Roman" panose="02020603050405020304" pitchFamily="18" charset="0"/>
               </a:rPr>
               <a:t>El administrador podrá registrar desde allí los roles que cada persona tiene para que los clientes puedan estar informados del personal y puede tener conocimiento de quienes van a estar en el evento.</a:t>
-            </a:r>
-            <a:r>
-              <a:rPr lang="es-US" dirty="0">
-                <a:latin typeface="Times New Roman" panose="02020603050405020304" pitchFamily="18" charset="0"/>
-                <a:cs typeface="Times New Roman" panose="02020603050405020304" pitchFamily="18" charset="0"/>
-              </a:rPr>
-              <a:t/>
             </a:r>
             <a:br>
               <a:rPr lang="es-US" dirty="0">
